--- a/Documentacion/Presentación .pptx
+++ b/Documentacion/Presentación .pptx
@@ -251,7 +251,7 @@
   </p:defaultTextStyle>
   <p:extLst>
     <p:ext uri="{EFAFB233-063F-42B5-8137-9DF3F51BA10A}">
-      <p15:sldGuideLst xmlns:p15="http://schemas.microsoft.com/office/powerpoint/2012/main" xmlns="">
+      <p15:sldGuideLst xmlns="" xmlns:p15="http://schemas.microsoft.com/office/powerpoint/2012/main">
         <p15:guide id="1" orient="horz" pos="2160">
           <p15:clr>
             <a:srgbClr val="A4A3A4"/>
@@ -265,7 +265,7 @@
       </p15:sldGuideLst>
     </p:ext>
     <p:ext uri="http://customooxmlschemas.google.com/">
-      <go:slidesCustomData xmlns:go="http://customooxmlschemas.google.com/" xmlns:p15="http://schemas.microsoft.com/office/powerpoint/2012/main" xmlns:p14="http://schemas.microsoft.com/office/powerpoint/2010/main" xmlns:com="http://schemas.openxmlformats.org/drawingml/2006/compatibility" xmlns:pvml="urn:schemas-microsoft-com:office:powerpoint" xmlns:v="urn:schemas-microsoft-com:vml" xmlns:o="urn:schemas-microsoft-com:office:office" xmlns:dgm="http://schemas.openxmlformats.org/drawingml/2006/diagram" xmlns:c="http://schemas.openxmlformats.org/drawingml/2006/chart" xmlns:mv="urn:schemas-microsoft-com:mac:vml" xmlns:mc="http://schemas.openxmlformats.org/markup-compatibility/2006" xmlns="" r:id="rId16" roundtripDataSignature="AMtx7mjHeALaXoxOaEArQ45VG6v/E8UenQ=="/>
+      <go:slidesCustomData xmlns="" xmlns:mc="http://schemas.openxmlformats.org/markup-compatibility/2006" xmlns:mv="urn:schemas-microsoft-com:mac:vml" xmlns:c="http://schemas.openxmlformats.org/drawingml/2006/chart" xmlns:dgm="http://schemas.openxmlformats.org/drawingml/2006/diagram" xmlns:o="urn:schemas-microsoft-com:office:office" xmlns:v="urn:schemas-microsoft-com:vml" xmlns:pvml="urn:schemas-microsoft-com:office:powerpoint" xmlns:com="http://schemas.openxmlformats.org/drawingml/2006/compatibility" xmlns:p14="http://schemas.microsoft.com/office/powerpoint/2010/main" xmlns:p15="http://schemas.microsoft.com/office/powerpoint/2012/main" xmlns:go="http://customooxmlschemas.google.com/" r:id="rId16" roundtripDataSignature="AMtx7mjHeALaXoxOaEArQ45VG6v/E8UenQ=="/>
     </p:ext>
   </p:extLst>
 </p:presentation>
@@ -11742,6 +11742,13 @@
   <p:clrMapOvr>
     <a:masterClrMapping/>
   </p:clrMapOvr>
+  <p:timing>
+    <p:tnLst>
+      <p:par>
+        <p:cTn id="1" dur="indefinite" restart="never" nodeType="tmRoot"/>
+      </p:par>
+    </p:tnLst>
+  </p:timing>
 </p:sld>
 </file>
 
@@ -11966,35 +11973,35 @@
                 <a:gridCol w="617225">
                   <a:extLst>
                     <a:ext uri="{9D8B030D-6E8A-4147-A177-3AD203B41FA5}">
-                      <a16:colId xmlns:a16="http://schemas.microsoft.com/office/drawing/2014/main" xmlns="" val="20000"/>
+                      <a16:colId xmlns="" xmlns:a16="http://schemas.microsoft.com/office/drawing/2014/main" val="20000"/>
                     </a:ext>
                   </a:extLst>
                 </a:gridCol>
                 <a:gridCol w="617225">
                   <a:extLst>
                     <a:ext uri="{9D8B030D-6E8A-4147-A177-3AD203B41FA5}">
-                      <a16:colId xmlns:a16="http://schemas.microsoft.com/office/drawing/2014/main" xmlns="" val="20001"/>
+                      <a16:colId xmlns="" xmlns:a16="http://schemas.microsoft.com/office/drawing/2014/main" val="20001"/>
                     </a:ext>
                   </a:extLst>
                 </a:gridCol>
                 <a:gridCol w="617225">
                   <a:extLst>
                     <a:ext uri="{9D8B030D-6E8A-4147-A177-3AD203B41FA5}">
-                      <a16:colId xmlns:a16="http://schemas.microsoft.com/office/drawing/2014/main" xmlns="" val="20002"/>
+                      <a16:colId xmlns="" xmlns:a16="http://schemas.microsoft.com/office/drawing/2014/main" val="20002"/>
                     </a:ext>
                   </a:extLst>
                 </a:gridCol>
                 <a:gridCol w="617225">
                   <a:extLst>
                     <a:ext uri="{9D8B030D-6E8A-4147-A177-3AD203B41FA5}">
-                      <a16:colId xmlns:a16="http://schemas.microsoft.com/office/drawing/2014/main" xmlns="" val="20003"/>
+                      <a16:colId xmlns="" xmlns:a16="http://schemas.microsoft.com/office/drawing/2014/main" val="20003"/>
                     </a:ext>
                   </a:extLst>
                 </a:gridCol>
                 <a:gridCol w="617225">
                   <a:extLst>
                     <a:ext uri="{9D8B030D-6E8A-4147-A177-3AD203B41FA5}">
-                      <a16:colId xmlns:a16="http://schemas.microsoft.com/office/drawing/2014/main" xmlns="" val="20004"/>
+                      <a16:colId xmlns="" xmlns:a16="http://schemas.microsoft.com/office/drawing/2014/main" val="20004"/>
                     </a:ext>
                   </a:extLst>
                 </a:gridCol>
@@ -12117,7 +12124,7 @@
                 </a:tc>
                 <a:extLst>
                   <a:ext uri="{0D108BD9-81ED-4DB2-BD59-A6C34878D82A}">
-                    <a16:rowId xmlns:a16="http://schemas.microsoft.com/office/drawing/2014/main" xmlns="" val="10000"/>
+                    <a16:rowId xmlns="" xmlns:a16="http://schemas.microsoft.com/office/drawing/2014/main" val="10000"/>
                   </a:ext>
                 </a:extLst>
               </a:tr>
@@ -12265,6 +12272,13 @@
   <p:clrMapOvr>
     <a:masterClrMapping/>
   </p:clrMapOvr>
+  <p:timing>
+    <p:tnLst>
+      <p:par>
+        <p:cTn id="1" dur="indefinite" restart="never" nodeType="tmRoot"/>
+      </p:par>
+    </p:tnLst>
+  </p:timing>
 </p:sld>
 </file>
 
@@ -12384,70 +12398,70 @@
                 <a:gridCol w="385325">
                   <a:extLst>
                     <a:ext uri="{9D8B030D-6E8A-4147-A177-3AD203B41FA5}">
-                      <a16:colId xmlns:a16="http://schemas.microsoft.com/office/drawing/2014/main" xmlns="" val="20000"/>
+                      <a16:colId xmlns="" xmlns:a16="http://schemas.microsoft.com/office/drawing/2014/main" val="20000"/>
                     </a:ext>
                   </a:extLst>
                 </a:gridCol>
                 <a:gridCol w="385325">
                   <a:extLst>
                     <a:ext uri="{9D8B030D-6E8A-4147-A177-3AD203B41FA5}">
-                      <a16:colId xmlns:a16="http://schemas.microsoft.com/office/drawing/2014/main" xmlns="" val="20001"/>
+                      <a16:colId xmlns="" xmlns:a16="http://schemas.microsoft.com/office/drawing/2014/main" val="20001"/>
                     </a:ext>
                   </a:extLst>
                 </a:gridCol>
                 <a:gridCol w="385325">
                   <a:extLst>
                     <a:ext uri="{9D8B030D-6E8A-4147-A177-3AD203B41FA5}">
-                      <a16:colId xmlns:a16="http://schemas.microsoft.com/office/drawing/2014/main" xmlns="" val="20002"/>
+                      <a16:colId xmlns="" xmlns:a16="http://schemas.microsoft.com/office/drawing/2014/main" val="20002"/>
                     </a:ext>
                   </a:extLst>
                 </a:gridCol>
                 <a:gridCol w="385325">
                   <a:extLst>
                     <a:ext uri="{9D8B030D-6E8A-4147-A177-3AD203B41FA5}">
-                      <a16:colId xmlns:a16="http://schemas.microsoft.com/office/drawing/2014/main" xmlns="" val="20003"/>
+                      <a16:colId xmlns="" xmlns:a16="http://schemas.microsoft.com/office/drawing/2014/main" val="20003"/>
                     </a:ext>
                   </a:extLst>
                 </a:gridCol>
                 <a:gridCol w="385325">
                   <a:extLst>
                     <a:ext uri="{9D8B030D-6E8A-4147-A177-3AD203B41FA5}">
-                      <a16:colId xmlns:a16="http://schemas.microsoft.com/office/drawing/2014/main" xmlns="" val="20004"/>
+                      <a16:colId xmlns="" xmlns:a16="http://schemas.microsoft.com/office/drawing/2014/main" val="20004"/>
                     </a:ext>
                   </a:extLst>
                 </a:gridCol>
                 <a:gridCol w="385325">
                   <a:extLst>
                     <a:ext uri="{9D8B030D-6E8A-4147-A177-3AD203B41FA5}">
-                      <a16:colId xmlns:a16="http://schemas.microsoft.com/office/drawing/2014/main" xmlns="" val="20005"/>
+                      <a16:colId xmlns="" xmlns:a16="http://schemas.microsoft.com/office/drawing/2014/main" val="20005"/>
                     </a:ext>
                   </a:extLst>
                 </a:gridCol>
                 <a:gridCol w="385325">
                   <a:extLst>
                     <a:ext uri="{9D8B030D-6E8A-4147-A177-3AD203B41FA5}">
-                      <a16:colId xmlns:a16="http://schemas.microsoft.com/office/drawing/2014/main" xmlns="" val="20006"/>
+                      <a16:colId xmlns="" xmlns:a16="http://schemas.microsoft.com/office/drawing/2014/main" val="20006"/>
                     </a:ext>
                   </a:extLst>
                 </a:gridCol>
                 <a:gridCol w="385325">
                   <a:extLst>
                     <a:ext uri="{9D8B030D-6E8A-4147-A177-3AD203B41FA5}">
-                      <a16:colId xmlns:a16="http://schemas.microsoft.com/office/drawing/2014/main" xmlns="" val="20007"/>
+                      <a16:colId xmlns="" xmlns:a16="http://schemas.microsoft.com/office/drawing/2014/main" val="20007"/>
                     </a:ext>
                   </a:extLst>
                 </a:gridCol>
                 <a:gridCol w="385325">
                   <a:extLst>
                     <a:ext uri="{9D8B030D-6E8A-4147-A177-3AD203B41FA5}">
-                      <a16:colId xmlns:a16="http://schemas.microsoft.com/office/drawing/2014/main" xmlns="" val="20008"/>
+                      <a16:colId xmlns="" xmlns:a16="http://schemas.microsoft.com/office/drawing/2014/main" val="20008"/>
                     </a:ext>
                   </a:extLst>
                 </a:gridCol>
                 <a:gridCol w="385325">
                   <a:extLst>
                     <a:ext uri="{9D8B030D-6E8A-4147-A177-3AD203B41FA5}">
-                      <a16:colId xmlns:a16="http://schemas.microsoft.com/office/drawing/2014/main" xmlns="" val="20009"/>
+                      <a16:colId xmlns="" xmlns:a16="http://schemas.microsoft.com/office/drawing/2014/main" val="20009"/>
                     </a:ext>
                   </a:extLst>
                 </a:gridCol>
@@ -12685,7 +12699,7 @@
                 </a:tc>
                 <a:extLst>
                   <a:ext uri="{0D108BD9-81ED-4DB2-BD59-A6C34878D82A}">
-                    <a16:rowId xmlns:a16="http://schemas.microsoft.com/office/drawing/2014/main" xmlns="" val="10000"/>
+                    <a16:rowId xmlns="" xmlns:a16="http://schemas.microsoft.com/office/drawing/2014/main" val="10000"/>
                   </a:ext>
                 </a:extLst>
               </a:tr>
@@ -13470,6 +13484,13 @@
   <p:clrMapOvr>
     <a:masterClrMapping/>
   </p:clrMapOvr>
+  <p:timing>
+    <p:tnLst>
+      <p:par>
+        <p:cTn id="1" dur="indefinite" restart="never" nodeType="tmRoot"/>
+      </p:par>
+    </p:tnLst>
+  </p:timing>
 </p:sld>
 </file>
 
@@ -13600,6 +13621,13 @@
   <p:clrMapOvr>
     <a:masterClrMapping/>
   </p:clrMapOvr>
+  <p:timing>
+    <p:tnLst>
+      <p:par>
+        <p:cTn id="1" dur="indefinite" restart="never" nodeType="tmRoot"/>
+      </p:par>
+    </p:tnLst>
+  </p:timing>
 </p:sld>
 </file>
 
@@ -13674,49 +13702,49 @@
                 <a:gridCol w="382850">
                   <a:extLst>
                     <a:ext uri="{9D8B030D-6E8A-4147-A177-3AD203B41FA5}">
-                      <a16:colId xmlns:a16="http://schemas.microsoft.com/office/drawing/2014/main" xmlns="" val="20000"/>
+                      <a16:colId xmlns="" xmlns:a16="http://schemas.microsoft.com/office/drawing/2014/main" val="20000"/>
                     </a:ext>
                   </a:extLst>
                 </a:gridCol>
                 <a:gridCol w="382850">
                   <a:extLst>
                     <a:ext uri="{9D8B030D-6E8A-4147-A177-3AD203B41FA5}">
-                      <a16:colId xmlns:a16="http://schemas.microsoft.com/office/drawing/2014/main" xmlns="" val="20001"/>
+                      <a16:colId xmlns="" xmlns:a16="http://schemas.microsoft.com/office/drawing/2014/main" val="20001"/>
                     </a:ext>
                   </a:extLst>
                 </a:gridCol>
                 <a:gridCol w="382850">
                   <a:extLst>
                     <a:ext uri="{9D8B030D-6E8A-4147-A177-3AD203B41FA5}">
-                      <a16:colId xmlns:a16="http://schemas.microsoft.com/office/drawing/2014/main" xmlns="" val="20002"/>
+                      <a16:colId xmlns="" xmlns:a16="http://schemas.microsoft.com/office/drawing/2014/main" val="20002"/>
                     </a:ext>
                   </a:extLst>
                 </a:gridCol>
                 <a:gridCol w="382850">
                   <a:extLst>
                     <a:ext uri="{9D8B030D-6E8A-4147-A177-3AD203B41FA5}">
-                      <a16:colId xmlns:a16="http://schemas.microsoft.com/office/drawing/2014/main" xmlns="" val="20003"/>
+                      <a16:colId xmlns="" xmlns:a16="http://schemas.microsoft.com/office/drawing/2014/main" val="20003"/>
                     </a:ext>
                   </a:extLst>
                 </a:gridCol>
                 <a:gridCol w="382850">
                   <a:extLst>
                     <a:ext uri="{9D8B030D-6E8A-4147-A177-3AD203B41FA5}">
-                      <a16:colId xmlns:a16="http://schemas.microsoft.com/office/drawing/2014/main" xmlns="" val="20004"/>
+                      <a16:colId xmlns="" xmlns:a16="http://schemas.microsoft.com/office/drawing/2014/main" val="20004"/>
                     </a:ext>
                   </a:extLst>
                 </a:gridCol>
                 <a:gridCol w="382850">
                   <a:extLst>
                     <a:ext uri="{9D8B030D-6E8A-4147-A177-3AD203B41FA5}">
-                      <a16:colId xmlns:a16="http://schemas.microsoft.com/office/drawing/2014/main" xmlns="" val="20005"/>
+                      <a16:colId xmlns="" xmlns:a16="http://schemas.microsoft.com/office/drawing/2014/main" val="20005"/>
                     </a:ext>
                   </a:extLst>
                 </a:gridCol>
                 <a:gridCol w="382850">
                   <a:extLst>
                     <a:ext uri="{9D8B030D-6E8A-4147-A177-3AD203B41FA5}">
-                      <a16:colId xmlns:a16="http://schemas.microsoft.com/office/drawing/2014/main" xmlns="" val="20006"/>
+                      <a16:colId xmlns="" xmlns:a16="http://schemas.microsoft.com/office/drawing/2014/main" val="20006"/>
                     </a:ext>
                   </a:extLst>
                 </a:gridCol>
@@ -13885,7 +13913,7 @@
                 </a:tc>
                 <a:extLst>
                   <a:ext uri="{0D108BD9-81ED-4DB2-BD59-A6C34878D82A}">
-                    <a16:rowId xmlns:a16="http://schemas.microsoft.com/office/drawing/2014/main" xmlns="" val="10000"/>
+                    <a16:rowId xmlns="" xmlns:a16="http://schemas.microsoft.com/office/drawing/2014/main" val="10000"/>
                   </a:ext>
                 </a:extLst>
               </a:tr>
@@ -14074,7 +14102,7 @@
                 </a:tc>
                 <a:extLst>
                   <a:ext uri="{0D108BD9-81ED-4DB2-BD59-A6C34878D82A}">
-                    <a16:rowId xmlns:a16="http://schemas.microsoft.com/office/drawing/2014/main" xmlns="" val="10001"/>
+                    <a16:rowId xmlns="" xmlns:a16="http://schemas.microsoft.com/office/drawing/2014/main" val="10001"/>
                   </a:ext>
                 </a:extLst>
               </a:tr>
@@ -14263,7 +14291,7 @@
                 </a:tc>
                 <a:extLst>
                   <a:ext uri="{0D108BD9-81ED-4DB2-BD59-A6C34878D82A}">
-                    <a16:rowId xmlns:a16="http://schemas.microsoft.com/office/drawing/2014/main" xmlns="" val="10002"/>
+                    <a16:rowId xmlns="" xmlns:a16="http://schemas.microsoft.com/office/drawing/2014/main" val="10002"/>
                   </a:ext>
                 </a:extLst>
               </a:tr>
@@ -14452,7 +14480,7 @@
                 </a:tc>
                 <a:extLst>
                   <a:ext uri="{0D108BD9-81ED-4DB2-BD59-A6C34878D82A}">
-                    <a16:rowId xmlns:a16="http://schemas.microsoft.com/office/drawing/2014/main" xmlns="" val="10003"/>
+                    <a16:rowId xmlns="" xmlns:a16="http://schemas.microsoft.com/office/drawing/2014/main" val="10003"/>
                   </a:ext>
                 </a:extLst>
               </a:tr>
@@ -14641,7 +14669,7 @@
                 </a:tc>
                 <a:extLst>
                   <a:ext uri="{0D108BD9-81ED-4DB2-BD59-A6C34878D82A}">
-                    <a16:rowId xmlns:a16="http://schemas.microsoft.com/office/drawing/2014/main" xmlns="" val="10004"/>
+                    <a16:rowId xmlns="" xmlns:a16="http://schemas.microsoft.com/office/drawing/2014/main" val="10004"/>
                   </a:ext>
                 </a:extLst>
               </a:tr>
@@ -14830,7 +14858,7 @@
                 </a:tc>
                 <a:extLst>
                   <a:ext uri="{0D108BD9-81ED-4DB2-BD59-A6C34878D82A}">
-                    <a16:rowId xmlns:a16="http://schemas.microsoft.com/office/drawing/2014/main" xmlns="" val="10005"/>
+                    <a16:rowId xmlns="" xmlns:a16="http://schemas.microsoft.com/office/drawing/2014/main" val="10005"/>
                   </a:ext>
                 </a:extLst>
               </a:tr>
@@ -15019,7 +15047,7 @@
                 </a:tc>
                 <a:extLst>
                   <a:ext uri="{0D108BD9-81ED-4DB2-BD59-A6C34878D82A}">
-                    <a16:rowId xmlns:a16="http://schemas.microsoft.com/office/drawing/2014/main" xmlns="" val="10006"/>
+                    <a16:rowId xmlns="" xmlns:a16="http://schemas.microsoft.com/office/drawing/2014/main" val="10006"/>
                   </a:ext>
                 </a:extLst>
               </a:tr>
@@ -15208,7 +15236,7 @@
                 </a:tc>
                 <a:extLst>
                   <a:ext uri="{0D108BD9-81ED-4DB2-BD59-A6C34878D82A}">
-                    <a16:rowId xmlns:a16="http://schemas.microsoft.com/office/drawing/2014/main" xmlns="" val="10007"/>
+                    <a16:rowId xmlns="" xmlns:a16="http://schemas.microsoft.com/office/drawing/2014/main" val="10007"/>
                   </a:ext>
                 </a:extLst>
               </a:tr>
@@ -15397,7 +15425,7 @@
                 </a:tc>
                 <a:extLst>
                   <a:ext uri="{0D108BD9-81ED-4DB2-BD59-A6C34878D82A}">
-                    <a16:rowId xmlns:a16="http://schemas.microsoft.com/office/drawing/2014/main" xmlns="" val="10008"/>
+                    <a16:rowId xmlns="" xmlns:a16="http://schemas.microsoft.com/office/drawing/2014/main" val="10008"/>
                   </a:ext>
                 </a:extLst>
               </a:tr>
@@ -15484,49 +15512,49 @@
                 <a:gridCol w="382850">
                   <a:extLst>
                     <a:ext uri="{9D8B030D-6E8A-4147-A177-3AD203B41FA5}">
-                      <a16:colId xmlns:a16="http://schemas.microsoft.com/office/drawing/2014/main" xmlns="" val="20000"/>
+                      <a16:colId xmlns="" xmlns:a16="http://schemas.microsoft.com/office/drawing/2014/main" val="20000"/>
                     </a:ext>
                   </a:extLst>
                 </a:gridCol>
                 <a:gridCol w="382850">
                   <a:extLst>
                     <a:ext uri="{9D8B030D-6E8A-4147-A177-3AD203B41FA5}">
-                      <a16:colId xmlns:a16="http://schemas.microsoft.com/office/drawing/2014/main" xmlns="" val="20001"/>
+                      <a16:colId xmlns="" xmlns:a16="http://schemas.microsoft.com/office/drawing/2014/main" val="20001"/>
                     </a:ext>
                   </a:extLst>
                 </a:gridCol>
                 <a:gridCol w="382850">
                   <a:extLst>
                     <a:ext uri="{9D8B030D-6E8A-4147-A177-3AD203B41FA5}">
-                      <a16:colId xmlns:a16="http://schemas.microsoft.com/office/drawing/2014/main" xmlns="" val="20002"/>
+                      <a16:colId xmlns="" xmlns:a16="http://schemas.microsoft.com/office/drawing/2014/main" val="20002"/>
                     </a:ext>
                   </a:extLst>
                 </a:gridCol>
                 <a:gridCol w="382850">
                   <a:extLst>
                     <a:ext uri="{9D8B030D-6E8A-4147-A177-3AD203B41FA5}">
-                      <a16:colId xmlns:a16="http://schemas.microsoft.com/office/drawing/2014/main" xmlns="" val="20003"/>
+                      <a16:colId xmlns="" xmlns:a16="http://schemas.microsoft.com/office/drawing/2014/main" val="20003"/>
                     </a:ext>
                   </a:extLst>
                 </a:gridCol>
                 <a:gridCol w="382850">
                   <a:extLst>
                     <a:ext uri="{9D8B030D-6E8A-4147-A177-3AD203B41FA5}">
-                      <a16:colId xmlns:a16="http://schemas.microsoft.com/office/drawing/2014/main" xmlns="" val="20004"/>
+                      <a16:colId xmlns="" xmlns:a16="http://schemas.microsoft.com/office/drawing/2014/main" val="20004"/>
                     </a:ext>
                   </a:extLst>
                 </a:gridCol>
                 <a:gridCol w="382850">
                   <a:extLst>
                     <a:ext uri="{9D8B030D-6E8A-4147-A177-3AD203B41FA5}">
-                      <a16:colId xmlns:a16="http://schemas.microsoft.com/office/drawing/2014/main" xmlns="" val="20005"/>
+                      <a16:colId xmlns="" xmlns:a16="http://schemas.microsoft.com/office/drawing/2014/main" val="20005"/>
                     </a:ext>
                   </a:extLst>
                 </a:gridCol>
                 <a:gridCol w="382850">
                   <a:extLst>
                     <a:ext uri="{9D8B030D-6E8A-4147-A177-3AD203B41FA5}">
-                      <a16:colId xmlns:a16="http://schemas.microsoft.com/office/drawing/2014/main" xmlns="" val="20006"/>
+                      <a16:colId xmlns="" xmlns:a16="http://schemas.microsoft.com/office/drawing/2014/main" val="20006"/>
                     </a:ext>
                   </a:extLst>
                 </a:gridCol>
@@ -15695,7 +15723,7 @@
                 </a:tc>
                 <a:extLst>
                   <a:ext uri="{0D108BD9-81ED-4DB2-BD59-A6C34878D82A}">
-                    <a16:rowId xmlns:a16="http://schemas.microsoft.com/office/drawing/2014/main" xmlns="" val="10000"/>
+                    <a16:rowId xmlns="" xmlns:a16="http://schemas.microsoft.com/office/drawing/2014/main" val="10000"/>
                   </a:ext>
                 </a:extLst>
               </a:tr>
@@ -15884,7 +15912,7 @@
                 </a:tc>
                 <a:extLst>
                   <a:ext uri="{0D108BD9-81ED-4DB2-BD59-A6C34878D82A}">
-                    <a16:rowId xmlns:a16="http://schemas.microsoft.com/office/drawing/2014/main" xmlns="" val="10001"/>
+                    <a16:rowId xmlns="" xmlns:a16="http://schemas.microsoft.com/office/drawing/2014/main" val="10001"/>
                   </a:ext>
                 </a:extLst>
               </a:tr>
@@ -16073,7 +16101,7 @@
                 </a:tc>
                 <a:extLst>
                   <a:ext uri="{0D108BD9-81ED-4DB2-BD59-A6C34878D82A}">
-                    <a16:rowId xmlns:a16="http://schemas.microsoft.com/office/drawing/2014/main" xmlns="" val="10002"/>
+                    <a16:rowId xmlns="" xmlns:a16="http://schemas.microsoft.com/office/drawing/2014/main" val="10002"/>
                   </a:ext>
                 </a:extLst>
               </a:tr>
@@ -16262,7 +16290,7 @@
                 </a:tc>
                 <a:extLst>
                   <a:ext uri="{0D108BD9-81ED-4DB2-BD59-A6C34878D82A}">
-                    <a16:rowId xmlns:a16="http://schemas.microsoft.com/office/drawing/2014/main" xmlns="" val="10003"/>
+                    <a16:rowId xmlns="" xmlns:a16="http://schemas.microsoft.com/office/drawing/2014/main" val="10003"/>
                   </a:ext>
                 </a:extLst>
               </a:tr>
@@ -16451,7 +16479,7 @@
                 </a:tc>
                 <a:extLst>
                   <a:ext uri="{0D108BD9-81ED-4DB2-BD59-A6C34878D82A}">
-                    <a16:rowId xmlns:a16="http://schemas.microsoft.com/office/drawing/2014/main" xmlns="" val="10004"/>
+                    <a16:rowId xmlns="" xmlns:a16="http://schemas.microsoft.com/office/drawing/2014/main" val="10004"/>
                   </a:ext>
                 </a:extLst>
               </a:tr>
@@ -16640,7 +16668,7 @@
                 </a:tc>
                 <a:extLst>
                   <a:ext uri="{0D108BD9-81ED-4DB2-BD59-A6C34878D82A}">
-                    <a16:rowId xmlns:a16="http://schemas.microsoft.com/office/drawing/2014/main" xmlns="" val="10005"/>
+                    <a16:rowId xmlns="" xmlns:a16="http://schemas.microsoft.com/office/drawing/2014/main" val="10005"/>
                   </a:ext>
                 </a:extLst>
               </a:tr>
@@ -16829,7 +16857,7 @@
                 </a:tc>
                 <a:extLst>
                   <a:ext uri="{0D108BD9-81ED-4DB2-BD59-A6C34878D82A}">
-                    <a16:rowId xmlns:a16="http://schemas.microsoft.com/office/drawing/2014/main" xmlns="" val="10006"/>
+                    <a16:rowId xmlns="" xmlns:a16="http://schemas.microsoft.com/office/drawing/2014/main" val="10006"/>
                   </a:ext>
                 </a:extLst>
               </a:tr>
@@ -17018,7 +17046,7 @@
                 </a:tc>
                 <a:extLst>
                   <a:ext uri="{0D108BD9-81ED-4DB2-BD59-A6C34878D82A}">
-                    <a16:rowId xmlns:a16="http://schemas.microsoft.com/office/drawing/2014/main" xmlns="" val="10007"/>
+                    <a16:rowId xmlns="" xmlns:a16="http://schemas.microsoft.com/office/drawing/2014/main" val="10007"/>
                   </a:ext>
                 </a:extLst>
               </a:tr>
@@ -17207,7 +17235,7 @@
                 </a:tc>
                 <a:extLst>
                   <a:ext uri="{0D108BD9-81ED-4DB2-BD59-A6C34878D82A}">
-                    <a16:rowId xmlns:a16="http://schemas.microsoft.com/office/drawing/2014/main" xmlns="" val="10008"/>
+                    <a16:rowId xmlns="" xmlns:a16="http://schemas.microsoft.com/office/drawing/2014/main" val="10008"/>
                   </a:ext>
                 </a:extLst>
               </a:tr>
@@ -17321,49 +17349,49 @@
                 <a:gridCol w="382850">
                   <a:extLst>
                     <a:ext uri="{9D8B030D-6E8A-4147-A177-3AD203B41FA5}">
-                      <a16:colId xmlns:a16="http://schemas.microsoft.com/office/drawing/2014/main" xmlns="" val="20000"/>
+                      <a16:colId xmlns="" xmlns:a16="http://schemas.microsoft.com/office/drawing/2014/main" val="20000"/>
                     </a:ext>
                   </a:extLst>
                 </a:gridCol>
                 <a:gridCol w="382850">
                   <a:extLst>
                     <a:ext uri="{9D8B030D-6E8A-4147-A177-3AD203B41FA5}">
-                      <a16:colId xmlns:a16="http://schemas.microsoft.com/office/drawing/2014/main" xmlns="" val="20001"/>
+                      <a16:colId xmlns="" xmlns:a16="http://schemas.microsoft.com/office/drawing/2014/main" val="20001"/>
                     </a:ext>
                   </a:extLst>
                 </a:gridCol>
                 <a:gridCol w="382850">
                   <a:extLst>
                     <a:ext uri="{9D8B030D-6E8A-4147-A177-3AD203B41FA5}">
-                      <a16:colId xmlns:a16="http://schemas.microsoft.com/office/drawing/2014/main" xmlns="" val="20002"/>
+                      <a16:colId xmlns="" xmlns:a16="http://schemas.microsoft.com/office/drawing/2014/main" val="20002"/>
                     </a:ext>
                   </a:extLst>
                 </a:gridCol>
                 <a:gridCol w="382850">
                   <a:extLst>
                     <a:ext uri="{9D8B030D-6E8A-4147-A177-3AD203B41FA5}">
-                      <a16:colId xmlns:a16="http://schemas.microsoft.com/office/drawing/2014/main" xmlns="" val="20003"/>
+                      <a16:colId xmlns="" xmlns:a16="http://schemas.microsoft.com/office/drawing/2014/main" val="20003"/>
                     </a:ext>
                   </a:extLst>
                 </a:gridCol>
                 <a:gridCol w="382850">
                   <a:extLst>
                     <a:ext uri="{9D8B030D-6E8A-4147-A177-3AD203B41FA5}">
-                      <a16:colId xmlns:a16="http://schemas.microsoft.com/office/drawing/2014/main" xmlns="" val="20004"/>
+                      <a16:colId xmlns="" xmlns:a16="http://schemas.microsoft.com/office/drawing/2014/main" val="20004"/>
                     </a:ext>
                   </a:extLst>
                 </a:gridCol>
                 <a:gridCol w="382850">
                   <a:extLst>
                     <a:ext uri="{9D8B030D-6E8A-4147-A177-3AD203B41FA5}">
-                      <a16:colId xmlns:a16="http://schemas.microsoft.com/office/drawing/2014/main" xmlns="" val="20005"/>
+                      <a16:colId xmlns="" xmlns:a16="http://schemas.microsoft.com/office/drawing/2014/main" val="20005"/>
                     </a:ext>
                   </a:extLst>
                 </a:gridCol>
                 <a:gridCol w="382850">
                   <a:extLst>
                     <a:ext uri="{9D8B030D-6E8A-4147-A177-3AD203B41FA5}">
-                      <a16:colId xmlns:a16="http://schemas.microsoft.com/office/drawing/2014/main" xmlns="" val="20006"/>
+                      <a16:colId xmlns="" xmlns:a16="http://schemas.microsoft.com/office/drawing/2014/main" val="20006"/>
                     </a:ext>
                   </a:extLst>
                 </a:gridCol>
@@ -17553,7 +17581,7 @@
                 </a:tc>
                 <a:extLst>
                   <a:ext uri="{0D108BD9-81ED-4DB2-BD59-A6C34878D82A}">
-                    <a16:rowId xmlns:a16="http://schemas.microsoft.com/office/drawing/2014/main" xmlns="" val="10000"/>
+                    <a16:rowId xmlns="" xmlns:a16="http://schemas.microsoft.com/office/drawing/2014/main" val="10000"/>
                   </a:ext>
                 </a:extLst>
               </a:tr>
@@ -17742,7 +17770,7 @@
                 </a:tc>
                 <a:extLst>
                   <a:ext uri="{0D108BD9-81ED-4DB2-BD59-A6C34878D82A}">
-                    <a16:rowId xmlns:a16="http://schemas.microsoft.com/office/drawing/2014/main" xmlns="" val="10001"/>
+                    <a16:rowId xmlns="" xmlns:a16="http://schemas.microsoft.com/office/drawing/2014/main" val="10001"/>
                   </a:ext>
                 </a:extLst>
               </a:tr>
@@ -17931,7 +17959,7 @@
                 </a:tc>
                 <a:extLst>
                   <a:ext uri="{0D108BD9-81ED-4DB2-BD59-A6C34878D82A}">
-                    <a16:rowId xmlns:a16="http://schemas.microsoft.com/office/drawing/2014/main" xmlns="" val="10002"/>
+                    <a16:rowId xmlns="" xmlns:a16="http://schemas.microsoft.com/office/drawing/2014/main" val="10002"/>
                   </a:ext>
                 </a:extLst>
               </a:tr>
@@ -17966,49 +17994,49 @@
                 <a:gridCol w="382850">
                   <a:extLst>
                     <a:ext uri="{9D8B030D-6E8A-4147-A177-3AD203B41FA5}">
-                      <a16:colId xmlns:a16="http://schemas.microsoft.com/office/drawing/2014/main" xmlns="" val="20000"/>
+                      <a16:colId xmlns="" xmlns:a16="http://schemas.microsoft.com/office/drawing/2014/main" val="20000"/>
                     </a:ext>
                   </a:extLst>
                 </a:gridCol>
                 <a:gridCol w="382850">
                   <a:extLst>
                     <a:ext uri="{9D8B030D-6E8A-4147-A177-3AD203B41FA5}">
-                      <a16:colId xmlns:a16="http://schemas.microsoft.com/office/drawing/2014/main" xmlns="" val="20001"/>
+                      <a16:colId xmlns="" xmlns:a16="http://schemas.microsoft.com/office/drawing/2014/main" val="20001"/>
                     </a:ext>
                   </a:extLst>
                 </a:gridCol>
                 <a:gridCol w="382850">
                   <a:extLst>
                     <a:ext uri="{9D8B030D-6E8A-4147-A177-3AD203B41FA5}">
-                      <a16:colId xmlns:a16="http://schemas.microsoft.com/office/drawing/2014/main" xmlns="" val="20002"/>
+                      <a16:colId xmlns="" xmlns:a16="http://schemas.microsoft.com/office/drawing/2014/main" val="20002"/>
                     </a:ext>
                   </a:extLst>
                 </a:gridCol>
                 <a:gridCol w="382850">
                   <a:extLst>
                     <a:ext uri="{9D8B030D-6E8A-4147-A177-3AD203B41FA5}">
-                      <a16:colId xmlns:a16="http://schemas.microsoft.com/office/drawing/2014/main" xmlns="" val="20003"/>
+                      <a16:colId xmlns="" xmlns:a16="http://schemas.microsoft.com/office/drawing/2014/main" val="20003"/>
                     </a:ext>
                   </a:extLst>
                 </a:gridCol>
                 <a:gridCol w="382850">
                   <a:extLst>
                     <a:ext uri="{9D8B030D-6E8A-4147-A177-3AD203B41FA5}">
-                      <a16:colId xmlns:a16="http://schemas.microsoft.com/office/drawing/2014/main" xmlns="" val="20004"/>
+                      <a16:colId xmlns="" xmlns:a16="http://schemas.microsoft.com/office/drawing/2014/main" val="20004"/>
                     </a:ext>
                   </a:extLst>
                 </a:gridCol>
                 <a:gridCol w="382850">
                   <a:extLst>
                     <a:ext uri="{9D8B030D-6E8A-4147-A177-3AD203B41FA5}">
-                      <a16:colId xmlns:a16="http://schemas.microsoft.com/office/drawing/2014/main" xmlns="" val="20005"/>
+                      <a16:colId xmlns="" xmlns:a16="http://schemas.microsoft.com/office/drawing/2014/main" val="20005"/>
                     </a:ext>
                   </a:extLst>
                 </a:gridCol>
                 <a:gridCol w="382850">
                   <a:extLst>
                     <a:ext uri="{9D8B030D-6E8A-4147-A177-3AD203B41FA5}">
-                      <a16:colId xmlns:a16="http://schemas.microsoft.com/office/drawing/2014/main" xmlns="" val="20006"/>
+                      <a16:colId xmlns="" xmlns:a16="http://schemas.microsoft.com/office/drawing/2014/main" val="20006"/>
                     </a:ext>
                   </a:extLst>
                 </a:gridCol>
@@ -18108,7 +18136,7 @@
                 </a:tc>
                 <a:extLst>
                   <a:ext uri="{0D108BD9-81ED-4DB2-BD59-A6C34878D82A}">
-                    <a16:rowId xmlns:a16="http://schemas.microsoft.com/office/drawing/2014/main" xmlns="" val="10000"/>
+                    <a16:rowId xmlns="" xmlns:a16="http://schemas.microsoft.com/office/drawing/2014/main" val="10000"/>
                   </a:ext>
                 </a:extLst>
               </a:tr>
@@ -18121,7 +18149,7 @@
           <p:cNvPr id="2" name="Tabla 2">
             <a:extLst>
               <a:ext uri="{FF2B5EF4-FFF2-40B4-BE49-F238E27FC236}">
-                <a16:creationId xmlns:a16="http://schemas.microsoft.com/office/drawing/2014/main" xmlns="" id="{4922CC91-2A7E-4AC7-9E25-BBF22EF0E077}"/>
+                <a16:creationId xmlns="" xmlns:a16="http://schemas.microsoft.com/office/drawing/2014/main" id="{4922CC91-2A7E-4AC7-9E25-BBF22EF0E077}"/>
               </a:ext>
             </a:extLst>
           </p:cNvPr>
@@ -18150,49 +18178,49 @@
                 <a:gridCol w="398761">
                   <a:extLst>
                     <a:ext uri="{9D8B030D-6E8A-4147-A177-3AD203B41FA5}">
-                      <a16:colId xmlns:a16="http://schemas.microsoft.com/office/drawing/2014/main" xmlns="" val="2903864692"/>
+                      <a16:colId xmlns="" xmlns:a16="http://schemas.microsoft.com/office/drawing/2014/main" val="2903864692"/>
                     </a:ext>
                   </a:extLst>
                 </a:gridCol>
                 <a:gridCol w="398761">
                   <a:extLst>
                     <a:ext uri="{9D8B030D-6E8A-4147-A177-3AD203B41FA5}">
-                      <a16:colId xmlns:a16="http://schemas.microsoft.com/office/drawing/2014/main" xmlns="" val="681304416"/>
+                      <a16:colId xmlns="" xmlns:a16="http://schemas.microsoft.com/office/drawing/2014/main" val="681304416"/>
                     </a:ext>
                   </a:extLst>
                 </a:gridCol>
                 <a:gridCol w="398761">
                   <a:extLst>
                     <a:ext uri="{9D8B030D-6E8A-4147-A177-3AD203B41FA5}">
-                      <a16:colId xmlns:a16="http://schemas.microsoft.com/office/drawing/2014/main" xmlns="" val="2897269517"/>
+                      <a16:colId xmlns="" xmlns:a16="http://schemas.microsoft.com/office/drawing/2014/main" val="2897269517"/>
                     </a:ext>
                   </a:extLst>
                 </a:gridCol>
                 <a:gridCol w="398761">
                   <a:extLst>
                     <a:ext uri="{9D8B030D-6E8A-4147-A177-3AD203B41FA5}">
-                      <a16:colId xmlns:a16="http://schemas.microsoft.com/office/drawing/2014/main" xmlns="" val="3832696730"/>
+                      <a16:colId xmlns="" xmlns:a16="http://schemas.microsoft.com/office/drawing/2014/main" val="3832696730"/>
                     </a:ext>
                   </a:extLst>
                 </a:gridCol>
                 <a:gridCol w="398761">
                   <a:extLst>
                     <a:ext uri="{9D8B030D-6E8A-4147-A177-3AD203B41FA5}">
-                      <a16:colId xmlns:a16="http://schemas.microsoft.com/office/drawing/2014/main" xmlns="" val="3692178689"/>
+                      <a16:colId xmlns="" xmlns:a16="http://schemas.microsoft.com/office/drawing/2014/main" val="3692178689"/>
                     </a:ext>
                   </a:extLst>
                 </a:gridCol>
                 <a:gridCol w="398761">
                   <a:extLst>
                     <a:ext uri="{9D8B030D-6E8A-4147-A177-3AD203B41FA5}">
-                      <a16:colId xmlns:a16="http://schemas.microsoft.com/office/drawing/2014/main" xmlns="" val="2802042700"/>
+                      <a16:colId xmlns="" xmlns:a16="http://schemas.microsoft.com/office/drawing/2014/main" val="2802042700"/>
                     </a:ext>
                   </a:extLst>
                 </a:gridCol>
                 <a:gridCol w="398761">
                   <a:extLst>
                     <a:ext uri="{9D8B030D-6E8A-4147-A177-3AD203B41FA5}">
-                      <a16:colId xmlns:a16="http://schemas.microsoft.com/office/drawing/2014/main" xmlns="" val="585373891"/>
+                      <a16:colId xmlns="" xmlns:a16="http://schemas.microsoft.com/office/drawing/2014/main" val="585373891"/>
                     </a:ext>
                   </a:extLst>
                 </a:gridCol>
@@ -18298,7 +18326,7 @@
                 </a:tc>
                 <a:extLst>
                   <a:ext uri="{0D108BD9-81ED-4DB2-BD59-A6C34878D82A}">
-                    <a16:rowId xmlns:a16="http://schemas.microsoft.com/office/drawing/2014/main" xmlns="" val="3082475727"/>
+                    <a16:rowId xmlns="" xmlns:a16="http://schemas.microsoft.com/office/drawing/2014/main" val="3082475727"/>
                   </a:ext>
                 </a:extLst>
               </a:tr>
@@ -18306,11 +18334,69 @@
           </a:graphicData>
         </a:graphic>
       </p:graphicFrame>
+      <p:sp>
+        <p:nvSpPr>
+          <p:cNvPr id="11" name="Google Shape;142;p5"/>
+          <p:cNvSpPr txBox="1">
+            <a:spLocks noGrp="1"/>
+          </p:cNvSpPr>
+          <p:nvPr>
+            <p:ph type="title"/>
+          </p:nvPr>
+        </p:nvSpPr>
+        <p:spPr>
+          <a:xfrm>
+            <a:off x="807460" y="484940"/>
+            <a:ext cx="10969943" cy="1143000"/>
+          </a:xfrm>
+          <a:prstGeom prst="rect">
+            <a:avLst/>
+          </a:prstGeom>
+          <a:noFill/>
+          <a:ln>
+            <a:noFill/>
+          </a:ln>
+        </p:spPr>
+        <p:txBody>
+          <a:bodyPr spcFirstLastPara="1" wrap="square" lIns="91425" tIns="45700" rIns="91425" bIns="45700" anchor="ctr" anchorCtr="0">
+            <a:normAutofit/>
+          </a:bodyPr>
+          <a:lstStyle/>
+          <a:p>
+            <a:pPr marL="0" lvl="0" indent="0" algn="ctr" rtl="0">
+              <a:spcBef>
+                <a:spcPts val="0"/>
+              </a:spcBef>
+              <a:spcAft>
+                <a:spcPts val="0"/>
+              </a:spcAft>
+              <a:buClr>
+                <a:schemeClr val="dk1"/>
+              </a:buClr>
+              <a:buSzPts val="4400"/>
+              <a:buFont typeface="Calibri"/>
+              <a:buNone/>
+            </a:pPr>
+            <a:r>
+              <a:rPr lang="es-CO" b="1" dirty="0" smtClean="0"/>
+              <a:t>Mutación</a:t>
+            </a:r>
+            <a:endParaRPr dirty="0"/>
+          </a:p>
+        </p:txBody>
+      </p:sp>
     </p:spTree>
   </p:cSld>
   <p:clrMapOvr>
     <a:masterClrMapping/>
   </p:clrMapOvr>
+  <p:timing>
+    <p:tnLst>
+      <p:par>
+        <p:cTn id="1" dur="indefinite" restart="never" nodeType="tmRoot"/>
+      </p:par>
+    </p:tnLst>
+  </p:timing>
 </p:sld>
 </file>
 
@@ -18346,7 +18432,7 @@
         </p:blipFill>
         <p:spPr>
           <a:xfrm>
-            <a:off x="0" y="-30778"/>
+            <a:off x="0" y="-141678"/>
             <a:ext cx="12300560" cy="6999678"/>
           </a:xfrm>
           <a:prstGeom prst="rect">
@@ -18402,10 +18488,10 @@
               <a:buNone/>
             </a:pPr>
             <a:r>
-              <a:rPr lang="es-CO" b="1"/>
+              <a:rPr lang="es-CO" b="1" dirty="0"/>
               <a:t>Parámetros</a:t>
             </a:r>
-            <a:endParaRPr/>
+            <a:endParaRPr dirty="0"/>
           </a:p>
         </p:txBody>
       </p:sp>
@@ -18723,6 +18809,13 @@
   <p:clrMapOvr>
     <a:masterClrMapping/>
   </p:clrMapOvr>
+  <p:timing>
+    <p:tnLst>
+      <p:par>
+        <p:cTn id="1" dur="indefinite" restart="never" nodeType="tmRoot"/>
+      </p:par>
+    </p:tnLst>
+  </p:timing>
 </p:sld>
 </file>
 
@@ -18855,6 +18948,13 @@
   <p:clrMapOvr>
     <a:masterClrMapping/>
   </p:clrMapOvr>
+  <p:timing>
+    <p:tnLst>
+      <p:par>
+        <p:cTn id="1" dur="indefinite" restart="never" nodeType="tmRoot"/>
+      </p:par>
+    </p:tnLst>
+  </p:timing>
 </p:sld>
 </file>
 
@@ -19075,7 +19175,7 @@
             <a:r>
               <a:rPr lang="es-CO" sz="1800" dirty="0">
                 <a:solidFill>
-                  <a:schemeClr val="dk1"/>
+                  <a:srgbClr val="FF0000"/>
                 </a:solidFill>
                 <a:latin typeface="Calibri"/>
                 <a:ea typeface="Calibri"/>
@@ -19086,7 +19186,7 @@
             </a:r>
             <a:endParaRPr sz="1800" dirty="0">
               <a:solidFill>
-                <a:schemeClr val="dk1"/>
+                <a:srgbClr val="FF0000"/>
               </a:solidFill>
               <a:latin typeface="Calibri"/>
               <a:ea typeface="Calibri"/>
@@ -19187,7 +19287,7 @@
               <a:buChar char="•"/>
             </a:pPr>
             <a:r>
-              <a:rPr lang="es-CO" sz="1800">
+              <a:rPr lang="es-CO" sz="1800" dirty="0">
                 <a:solidFill>
                   <a:schemeClr val="dk1"/>
                 </a:solidFill>
@@ -19196,9 +19296,35 @@
                 <a:cs typeface="Calibri"/>
                 <a:sym typeface="Calibri"/>
               </a:rPr>
-              <a:t>El tiempo de ejecución de los algoritmos de ED y DECC-G es mucho mejor que los algoritmos restantes.</a:t>
+              <a:t>El tiempo de ejecución de los algoritmos de ED y DECC-G es mucho mejor que los algoritmos restantes</a:t>
             </a:r>
-            <a:endParaRPr sz="1800">
+            <a:r>
+              <a:rPr lang="es-CO" sz="1800" dirty="0" smtClean="0">
+                <a:solidFill>
+                  <a:schemeClr val="dk1"/>
+                </a:solidFill>
+                <a:latin typeface="Calibri"/>
+                <a:ea typeface="Calibri"/>
+                <a:cs typeface="Calibri"/>
+                <a:sym typeface="Calibri"/>
+              </a:rPr>
+              <a:t>.</a:t>
+            </a:r>
+          </a:p>
+          <a:p>
+            <a:pPr marR="0" lvl="0" algn="l" rtl="0">
+              <a:spcBef>
+                <a:spcPts val="0"/>
+              </a:spcBef>
+              <a:spcAft>
+                <a:spcPts val="0"/>
+              </a:spcAft>
+              <a:buClr>
+                <a:schemeClr val="dk1"/>
+              </a:buClr>
+              <a:buSzPts val="1800"/>
+            </a:pPr>
+            <a:endParaRPr sz="1800" dirty="0">
               <a:solidFill>
                 <a:schemeClr val="dk1"/>
               </a:solidFill>
@@ -19280,6 +19406,13 @@
   <p:clrMapOvr>
     <a:masterClrMapping/>
   </p:clrMapOvr>
+  <p:timing>
+    <p:tnLst>
+      <p:par>
+        <p:cTn id="1" dur="indefinite" restart="never" nodeType="tmRoot"/>
+      </p:par>
+    </p:tnLst>
+  </p:timing>
 </p:sld>
 </file>
 
@@ -19406,6 +19539,13 @@
   <p:clrMapOvr>
     <a:masterClrMapping/>
   </p:clrMapOvr>
+  <p:timing>
+    <p:tnLst>
+      <p:par>
+        <p:cTn id="1" dur="indefinite" restart="never" nodeType="tmRoot"/>
+      </p:par>
+    </p:tnLst>
+  </p:timing>
 </p:sld>
 </file>
 
